--- a/Session_1/Introduction_to_AWS_and_Cloud_computing_concepts.pptx
+++ b/Session_1/Introduction_to_AWS_and_Cloud_computing_concepts.pptx
@@ -261,7 +261,7 @@
             <a:fld id="{A6DA2F18-A48D-4F4E-9713-3765A785EE1B}" type="datetimeFigureOut">
               <a:rPr lang="en-US" smtClean="0"/>
               <a:pPr/>
-              <a:t>4/23/2017</a:t>
+              <a:t>4/28/2017</a:t>
             </a:fld>
             <a:endParaRPr lang="en-US"/>
           </a:p>
@@ -576,7 +576,7 @@
             <a:fld id="{A6DA2F18-A48D-4F4E-9713-3765A785EE1B}" type="datetimeFigureOut">
               <a:rPr lang="en-US" smtClean="0"/>
               <a:pPr/>
-              <a:t>4/23/2017</a:t>
+              <a:t>4/28/2017</a:t>
             </a:fld>
             <a:endParaRPr lang="en-US"/>
           </a:p>
@@ -763,7 +763,7 @@
             <a:fld id="{A6DA2F18-A48D-4F4E-9713-3765A785EE1B}" type="datetimeFigureOut">
               <a:rPr lang="en-US" smtClean="0"/>
               <a:pPr/>
-              <a:t>4/23/2017</a:t>
+              <a:t>4/28/2017</a:t>
             </a:fld>
             <a:endParaRPr lang="en-US"/>
           </a:p>
@@ -940,7 +940,7 @@
             <a:fld id="{A6DA2F18-A48D-4F4E-9713-3765A785EE1B}" type="datetimeFigureOut">
               <a:rPr lang="en-US" smtClean="0"/>
               <a:pPr/>
-              <a:t>4/23/2017</a:t>
+              <a:t>4/28/2017</a:t>
             </a:fld>
             <a:endParaRPr lang="en-US"/>
           </a:p>
@@ -1210,7 +1210,7 @@
             <a:fld id="{A6DA2F18-A48D-4F4E-9713-3765A785EE1B}" type="datetimeFigureOut">
               <a:rPr lang="en-US" smtClean="0"/>
               <a:pPr/>
-              <a:t>4/23/2017</a:t>
+              <a:t>4/28/2017</a:t>
             </a:fld>
             <a:endParaRPr lang="en-US"/>
           </a:p>
@@ -1680,7 +1680,7 @@
             <a:fld id="{A6DA2F18-A48D-4F4E-9713-3765A785EE1B}" type="datetimeFigureOut">
               <a:rPr lang="en-US" smtClean="0"/>
               <a:pPr/>
-              <a:t>4/23/2017</a:t>
+              <a:t>4/28/2017</a:t>
             </a:fld>
             <a:endParaRPr lang="en-US"/>
           </a:p>
@@ -2171,7 +2171,7 @@
             <a:fld id="{A6DA2F18-A48D-4F4E-9713-3765A785EE1B}" type="datetimeFigureOut">
               <a:rPr lang="en-US" smtClean="0"/>
               <a:pPr/>
-              <a:t>4/23/2017</a:t>
+              <a:t>4/28/2017</a:t>
             </a:fld>
             <a:endParaRPr lang="en-US"/>
           </a:p>
@@ -2299,7 +2299,7 @@
             <a:fld id="{A6DA2F18-A48D-4F4E-9713-3765A785EE1B}" type="datetimeFigureOut">
               <a:rPr lang="en-US" smtClean="0"/>
               <a:pPr/>
-              <a:t>4/23/2017</a:t>
+              <a:t>4/28/2017</a:t>
             </a:fld>
             <a:endParaRPr lang="en-US"/>
           </a:p>
@@ -2445,7 +2445,7 @@
             <a:fld id="{A6DA2F18-A48D-4F4E-9713-3765A785EE1B}" type="datetimeFigureOut">
               <a:rPr lang="en-US" smtClean="0"/>
               <a:pPr/>
-              <a:t>4/23/2017</a:t>
+              <a:t>4/28/2017</a:t>
             </a:fld>
             <a:endParaRPr lang="en-US"/>
           </a:p>
@@ -2769,7 +2769,7 @@
             <a:fld id="{A6DA2F18-A48D-4F4E-9713-3765A785EE1B}" type="datetimeFigureOut">
               <a:rPr lang="en-US" smtClean="0"/>
               <a:pPr/>
-              <a:t>4/23/2017</a:t>
+              <a:t>4/28/2017</a:t>
             </a:fld>
             <a:endParaRPr lang="en-US"/>
           </a:p>
@@ -2905,7 +2905,7 @@
             <a:fld id="{A6DA2F18-A48D-4F4E-9713-3765A785EE1B}" type="datetimeFigureOut">
               <a:rPr lang="en-US" smtClean="0"/>
               <a:pPr/>
-              <a:t>4/23/2017</a:t>
+              <a:t>4/28/2017</a:t>
             </a:fld>
             <a:endParaRPr lang="en-US"/>
           </a:p>
@@ -3688,7 +3688,7 @@
             <a:fld id="{A6DA2F18-A48D-4F4E-9713-3765A785EE1B}" type="datetimeFigureOut">
               <a:rPr lang="en-US" smtClean="0"/>
               <a:pPr/>
-              <a:t>4/23/2017</a:t>
+              <a:t>4/28/2017</a:t>
             </a:fld>
             <a:endParaRPr lang="en-US"/>
           </a:p>
@@ -5866,24 +5866,24 @@
           <a:lstStyle/>
           <a:p>
             <a:r>
+              <a:rPr lang="en-US" sz="6600" smtClean="0"/>
+              <a:t> </a:t>
+            </a:r>
+            <a:r>
+              <a:rPr lang="en-US" sz="6600"/>
+              <a:t> </a:t>
+            </a:r>
+            <a:r>
+              <a:rPr lang="en-US" sz="6600" smtClean="0"/>
+              <a:t>      </a:t>
+            </a:r>
+            <a:r>
+              <a:rPr lang="en-US" sz="6600" smtClean="0"/>
+              <a:t> </a:t>
+            </a:r>
+            <a:r>
               <a:rPr lang="en-US" sz="6600" dirty="0" smtClean="0"/>
-              <a:t> </a:t>
-            </a:r>
-            <a:r>
-              <a:rPr lang="en-US" sz="6600" dirty="0" err="1" smtClean="0"/>
-              <a:t>Koi</a:t>
-            </a:r>
-            <a:r>
-              <a:rPr lang="en-US" sz="6600" dirty="0" smtClean="0"/>
-              <a:t> </a:t>
-            </a:r>
-            <a:r>
-              <a:rPr lang="en-US" sz="6600" dirty="0" err="1" smtClean="0"/>
-              <a:t>Shak</a:t>
-            </a:r>
-            <a:r>
-              <a:rPr lang="en-US" sz="6600" dirty="0" smtClean="0"/>
-              <a:t> ??? </a:t>
+              <a:t>??? </a:t>
             </a:r>
             <a:endParaRPr lang="en-US" sz="6600" dirty="0"/>
           </a:p>
